--- a/day1/06_community_resources.pptx
+++ b/day1/06_community_resources.pptx
@@ -7,9 +7,11 @@
   <p:sldIdLst>
     <p:sldId id="256" r:id="rId2"/>
     <p:sldId id="257" r:id="rId3"/>
-    <p:sldId id="258" r:id="rId4"/>
-    <p:sldId id="259" r:id="rId5"/>
-    <p:sldId id="260" r:id="rId6"/>
+    <p:sldId id="261" r:id="rId4"/>
+    <p:sldId id="258" r:id="rId5"/>
+    <p:sldId id="262" r:id="rId6"/>
+    <p:sldId id="259" r:id="rId7"/>
+    <p:sldId id="260" r:id="rId8"/>
   </p:sldIdLst>
   <p:sldSz cx="12192000" cy="6858000"/>
   <p:notesSz cx="6858000" cy="9144000"/>
@@ -110,7 +112,18 @@
   </p:defaultTextStyle>
   <p:extLst>
     <p:ext uri="{EFAFB233-063F-42B5-8137-9DF3F51BA10A}">
-      <p15:sldGuideLst xmlns:p15="http://schemas.microsoft.com/office/powerpoint/2012/main"/>
+      <p15:sldGuideLst xmlns:p15="http://schemas.microsoft.com/office/powerpoint/2012/main">
+        <p15:guide id="1" orient="horz" pos="2160" userDrawn="1">
+          <p15:clr>
+            <a:srgbClr val="A4A3A4"/>
+          </p15:clr>
+        </p15:guide>
+        <p15:guide id="2" pos="3840" userDrawn="1">
+          <p15:clr>
+            <a:srgbClr val="A4A3A4"/>
+          </p15:clr>
+        </p15:guide>
+      </p15:sldGuideLst>
     </p:ext>
   </p:extLst>
 </p:presentation>
@@ -247,7 +260,7 @@
           <a:p>
             <a:fld id="{6174CFFB-4DCF-4545-8AED-358751610E0E}" type="datetimeFigureOut">
               <a:rPr lang="en-US" smtClean="0"/>
-              <a:t>7/28/19</a:t>
+              <a:t>8/8/19</a:t>
             </a:fld>
             <a:endParaRPr lang="en-US"/>
           </a:p>
@@ -417,7 +430,7 @@
           <a:p>
             <a:fld id="{6174CFFB-4DCF-4545-8AED-358751610E0E}" type="datetimeFigureOut">
               <a:rPr lang="en-US" smtClean="0"/>
-              <a:t>7/28/19</a:t>
+              <a:t>8/8/19</a:t>
             </a:fld>
             <a:endParaRPr lang="en-US"/>
           </a:p>
@@ -597,7 +610,7 @@
           <a:p>
             <a:fld id="{6174CFFB-4DCF-4545-8AED-358751610E0E}" type="datetimeFigureOut">
               <a:rPr lang="en-US" smtClean="0"/>
-              <a:t>7/28/19</a:t>
+              <a:t>8/8/19</a:t>
             </a:fld>
             <a:endParaRPr lang="en-US"/>
           </a:p>
@@ -767,7 +780,7 @@
           <a:p>
             <a:fld id="{6174CFFB-4DCF-4545-8AED-358751610E0E}" type="datetimeFigureOut">
               <a:rPr lang="en-US" smtClean="0"/>
-              <a:t>7/28/19</a:t>
+              <a:t>8/8/19</a:t>
             </a:fld>
             <a:endParaRPr lang="en-US"/>
           </a:p>
@@ -1013,7 +1026,7 @@
           <a:p>
             <a:fld id="{6174CFFB-4DCF-4545-8AED-358751610E0E}" type="datetimeFigureOut">
               <a:rPr lang="en-US" smtClean="0"/>
-              <a:t>7/28/19</a:t>
+              <a:t>8/8/19</a:t>
             </a:fld>
             <a:endParaRPr lang="en-US"/>
           </a:p>
@@ -1245,7 +1258,7 @@
           <a:p>
             <a:fld id="{6174CFFB-4DCF-4545-8AED-358751610E0E}" type="datetimeFigureOut">
               <a:rPr lang="en-US" smtClean="0"/>
-              <a:t>7/28/19</a:t>
+              <a:t>8/8/19</a:t>
             </a:fld>
             <a:endParaRPr lang="en-US"/>
           </a:p>
@@ -1612,7 +1625,7 @@
           <a:p>
             <a:fld id="{6174CFFB-4DCF-4545-8AED-358751610E0E}" type="datetimeFigureOut">
               <a:rPr lang="en-US" smtClean="0"/>
-              <a:t>7/28/19</a:t>
+              <a:t>8/8/19</a:t>
             </a:fld>
             <a:endParaRPr lang="en-US"/>
           </a:p>
@@ -1730,7 +1743,7 @@
           <a:p>
             <a:fld id="{6174CFFB-4DCF-4545-8AED-358751610E0E}" type="datetimeFigureOut">
               <a:rPr lang="en-US" smtClean="0"/>
-              <a:t>7/28/19</a:t>
+              <a:t>8/8/19</a:t>
             </a:fld>
             <a:endParaRPr lang="en-US"/>
           </a:p>
@@ -1825,7 +1838,7 @@
           <a:p>
             <a:fld id="{6174CFFB-4DCF-4545-8AED-358751610E0E}" type="datetimeFigureOut">
               <a:rPr lang="en-US" smtClean="0"/>
-              <a:t>7/28/19</a:t>
+              <a:t>8/8/19</a:t>
             </a:fld>
             <a:endParaRPr lang="en-US"/>
           </a:p>
@@ -2102,7 +2115,7 @@
           <a:p>
             <a:fld id="{6174CFFB-4DCF-4545-8AED-358751610E0E}" type="datetimeFigureOut">
               <a:rPr lang="en-US" smtClean="0"/>
-              <a:t>7/28/19</a:t>
+              <a:t>8/8/19</a:t>
             </a:fld>
             <a:endParaRPr lang="en-US"/>
           </a:p>
@@ -2355,7 +2368,7 @@
           <a:p>
             <a:fld id="{6174CFFB-4DCF-4545-8AED-358751610E0E}" type="datetimeFigureOut">
               <a:rPr lang="en-US" smtClean="0"/>
-              <a:t>7/28/19</a:t>
+              <a:t>8/8/19</a:t>
             </a:fld>
             <a:endParaRPr lang="en-US"/>
           </a:p>
@@ -2568,7 +2581,7 @@
           <a:p>
             <a:fld id="{6174CFFB-4DCF-4545-8AED-358751610E0E}" type="datetimeFigureOut">
               <a:rPr lang="en-US" smtClean="0"/>
-              <a:t>7/28/19</a:t>
+              <a:t>8/8/19</a:t>
             </a:fld>
             <a:endParaRPr lang="en-US"/>
           </a:p>
@@ -2983,9 +2996,14 @@
             <p:ph type="ctrTitle"/>
           </p:nvPr>
         </p:nvSpPr>
-        <p:spPr/>
-        <p:txBody>
-          <a:bodyPr/>
+        <p:spPr>
+          <a:xfrm>
+            <a:off x="1524000" y="2235200"/>
+            <a:ext cx="9144000" cy="2387600"/>
+          </a:xfrm>
+        </p:spPr>
+        <p:txBody>
+          <a:bodyPr anchor="ctr"/>
           <a:lstStyle/>
           <a:p>
             <a:r>
@@ -3062,20 +3080,30 @@
           <a:p>
             <a:r>
               <a:rPr lang="en-US" dirty="0" smtClean="0"/>
-              <a:t>Asking/answering questions</a:t>
-            </a:r>
+              <a:t>Training materials</a:t>
+            </a:r>
+            <a:endParaRPr lang="en-US" dirty="0"/>
           </a:p>
           <a:p>
             <a:r>
               <a:rPr lang="en-US" dirty="0" smtClean="0"/>
-              <a:t>Finding and joining projects</a:t>
-            </a:r>
-          </a:p>
-          <a:p>
+              <a:t>Asking/answering </a:t>
+            </a:r>
             <a:r>
               <a:rPr lang="en-US" dirty="0" smtClean="0"/>
-              <a:t>Networking</a:t>
-            </a:r>
+              <a:t>questions</a:t>
+            </a:r>
+          </a:p>
+          <a:p>
+            <a:r>
+              <a:rPr lang="en-US" dirty="0" smtClean="0"/>
+              <a:t>Finding and joining </a:t>
+            </a:r>
+            <a:r>
+              <a:rPr lang="en-US" dirty="0" smtClean="0"/>
+              <a:t>projects</a:t>
+            </a:r>
+            <a:endParaRPr lang="en-US" dirty="0" smtClean="0"/>
           </a:p>
           <a:p>
             <a:r>
@@ -3133,7 +3161,7 @@
           <a:p>
             <a:r>
               <a:rPr lang="en-US" dirty="0" smtClean="0"/>
-              <a:t>Q/A forums</a:t>
+              <a:t>Asking and answering questions</a:t>
             </a:r>
             <a:endParaRPr lang="en-US" dirty="0"/>
           </a:p>
@@ -3154,45 +3182,96 @@
           <a:bodyPr/>
           <a:lstStyle/>
           <a:p>
-            <a:r>
-              <a:rPr lang="en-US" dirty="0" err="1" smtClean="0"/>
-              <a:t>NeuroStars</a:t>
-            </a:r>
-            <a:endParaRPr lang="en-US" dirty="0" smtClean="0"/>
-          </a:p>
-          <a:p>
-            <a:r>
-              <a:rPr lang="en-US" dirty="0" err="1" smtClean="0"/>
-              <a:t>StackExchange</a:t>
-            </a:r>
-            <a:endParaRPr lang="en-US" dirty="0" smtClean="0"/>
-          </a:p>
-          <a:p>
+            <a:pPr marL="514350" marR="0" lvl="0" indent="-514350" defTabSz="914400" eaLnBrk="1" fontAlgn="auto" latinLnBrk="0" hangingPunct="1">
+              <a:lnSpc>
+                <a:spcPct val="100000"/>
+              </a:lnSpc>
+              <a:spcBef>
+                <a:spcPts val="0"/>
+              </a:spcBef>
+              <a:spcAft>
+                <a:spcPts val="0"/>
+              </a:spcAft>
+              <a:buClrTx/>
+              <a:buSzTx/>
+              <a:buFont typeface="+mj-lt"/>
+              <a:buAutoNum type="arabicPeriod"/>
+              <a:tabLst/>
+              <a:defRPr/>
+            </a:pPr>
             <a:r>
               <a:rPr lang="en-US" dirty="0" smtClean="0"/>
-              <a:t>Slack/</a:t>
-            </a:r>
-            <a:r>
-              <a:rPr lang="en-US" dirty="0" err="1" smtClean="0"/>
-              <a:t>Mattermost</a:t>
-            </a:r>
-            <a:endParaRPr lang="en-US" dirty="0" smtClean="0"/>
-          </a:p>
-          <a:p>
+              <a:t>Check the documentation</a:t>
+            </a:r>
+          </a:p>
+          <a:p>
+            <a:pPr marL="514350" marR="0" lvl="0" indent="-514350" defTabSz="914400" eaLnBrk="1" fontAlgn="auto" latinLnBrk="0" hangingPunct="1">
+              <a:lnSpc>
+                <a:spcPct val="100000"/>
+              </a:lnSpc>
+              <a:spcBef>
+                <a:spcPts val="0"/>
+              </a:spcBef>
+              <a:spcAft>
+                <a:spcPts val="0"/>
+              </a:spcAft>
+              <a:buClrTx/>
+              <a:buSzTx/>
+              <a:buFont typeface="+mj-lt"/>
+              <a:buAutoNum type="arabicPeriod"/>
+              <a:tabLst/>
+              <a:defRPr/>
+            </a:pPr>
             <a:r>
               <a:rPr lang="en-US" dirty="0" smtClean="0"/>
-              <a:t>Package-specific </a:t>
-            </a:r>
-            <a:r>
-              <a:rPr lang="en-US" dirty="0" err="1" smtClean="0"/>
-              <a:t>listservs</a:t>
-            </a:r>
-            <a:endParaRPr lang="en-US" dirty="0" smtClean="0"/>
-          </a:p>
-          <a:p>
-            <a:endParaRPr lang="en-US" dirty="0" smtClean="0"/>
-          </a:p>
-          <a:p>
+              <a:t>Search for existing questions on relevant sites</a:t>
+            </a:r>
+          </a:p>
+          <a:p>
+            <a:pPr marL="514350" marR="0" lvl="0" indent="-514350" defTabSz="914400" eaLnBrk="1" fontAlgn="auto" latinLnBrk="0" hangingPunct="1">
+              <a:lnSpc>
+                <a:spcPct val="100000"/>
+              </a:lnSpc>
+              <a:spcBef>
+                <a:spcPts val="0"/>
+              </a:spcBef>
+              <a:spcAft>
+                <a:spcPts val="0"/>
+              </a:spcAft>
+              <a:buClrTx/>
+              <a:buSzTx/>
+              <a:buFont typeface="+mj-lt"/>
+              <a:buAutoNum type="arabicPeriod"/>
+              <a:tabLst/>
+              <a:defRPr/>
+            </a:pPr>
+            <a:r>
+              <a:rPr lang="en-US" dirty="0" smtClean="0"/>
+              <a:t>Ask lab members and folks in the program</a:t>
+            </a:r>
+          </a:p>
+          <a:p>
+            <a:pPr marL="514350" marR="0" lvl="0" indent="-514350" defTabSz="914400" eaLnBrk="1" fontAlgn="auto" latinLnBrk="0" hangingPunct="1">
+              <a:lnSpc>
+                <a:spcPct val="100000"/>
+              </a:lnSpc>
+              <a:spcBef>
+                <a:spcPts val="0"/>
+              </a:spcBef>
+              <a:spcAft>
+                <a:spcPts val="0"/>
+              </a:spcAft>
+              <a:buClrTx/>
+              <a:buSzTx/>
+              <a:buFont typeface="+mj-lt"/>
+              <a:buAutoNum type="arabicPeriod"/>
+              <a:tabLst/>
+              <a:defRPr/>
+            </a:pPr>
+            <a:r>
+              <a:rPr lang="en-US" dirty="0" smtClean="0"/>
+              <a:t>Ask the question on a relevant site</a:t>
+            </a:r>
             <a:endParaRPr lang="en-US" dirty="0"/>
           </a:p>
         </p:txBody>
@@ -3200,7 +3279,7 @@
     </p:spTree>
     <p:extLst>
       <p:ext uri="{BB962C8B-B14F-4D97-AF65-F5344CB8AC3E}">
-        <p14:creationId xmlns:p14="http://schemas.microsoft.com/office/powerpoint/2010/main" val="1953793115"/>
+        <p14:creationId xmlns:p14="http://schemas.microsoft.com/office/powerpoint/2010/main" val="479334076"/>
       </p:ext>
     </p:extLst>
   </p:cSld>
@@ -3244,7 +3323,11 @@
           <a:p>
             <a:r>
               <a:rPr lang="en-US" dirty="0" smtClean="0"/>
-              <a:t>Getting involved in the community</a:t>
+              <a:t>Useful Q/A </a:t>
+            </a:r>
+            <a:r>
+              <a:rPr lang="en-US" dirty="0" smtClean="0"/>
+              <a:t>forums</a:t>
             </a:r>
             <a:endParaRPr lang="en-US" dirty="0"/>
           </a:p>
@@ -3266,14 +3349,58 @@
           <a:lstStyle/>
           <a:p>
             <a:r>
+              <a:rPr lang="en-US" dirty="0" err="1" smtClean="0"/>
+              <a:t>NeuroStars</a:t>
+            </a:r>
+            <a:r>
+              <a:rPr lang="en-US" dirty="0"/>
+              <a:t>: </a:t>
+            </a:r>
+            <a:r>
+              <a:rPr lang="en-US" dirty="0">
+                <a:hlinkClick r:id="rId2"/>
+              </a:rPr>
+              <a:t>https://</a:t>
+            </a:r>
+            <a:r>
+              <a:rPr lang="en-US" dirty="0" smtClean="0">
+                <a:hlinkClick r:id="rId2"/>
+              </a:rPr>
+              <a:t>neurostars.org</a:t>
+            </a:r>
+            <a:endParaRPr lang="en-US" dirty="0" smtClean="0"/>
+          </a:p>
+          <a:p>
+            <a:r>
+              <a:rPr lang="en-US" dirty="0" err="1" smtClean="0"/>
+              <a:t>StackOverflow</a:t>
+            </a:r>
+            <a:r>
+              <a:rPr lang="en-US" dirty="0"/>
+              <a:t>: </a:t>
+            </a:r>
+            <a:r>
+              <a:rPr lang="en-US" dirty="0">
+                <a:hlinkClick r:id="rId3"/>
+              </a:rPr>
+              <a:t>https://</a:t>
+            </a:r>
+            <a:r>
+              <a:rPr lang="en-US" dirty="0" smtClean="0">
+                <a:hlinkClick r:id="rId3"/>
+              </a:rPr>
+              <a:t>stackoverflow.com</a:t>
+            </a:r>
+            <a:endParaRPr lang="en-US" dirty="0" smtClean="0"/>
+          </a:p>
+          <a:p>
+            <a:r>
               <a:rPr lang="en-US" dirty="0" smtClean="0"/>
-              <a:t>Talk to your advisor about societies and labs to care about.</a:t>
-            </a:r>
-          </a:p>
-          <a:p>
+              <a:t>BrainHack </a:t>
+            </a:r>
             <a:r>
               <a:rPr lang="en-US" dirty="0" smtClean="0"/>
-              <a:t>BrainHack Slack/</a:t>
+              <a:t>Slack/</a:t>
             </a:r>
             <a:r>
               <a:rPr lang="en-US" dirty="0" err="1" smtClean="0"/>
@@ -3284,10 +3411,111 @@
           <a:p>
             <a:r>
               <a:rPr lang="en-US" dirty="0" smtClean="0"/>
-              <a:t>Contributing to tools on GitHub</a:t>
-            </a:r>
-          </a:p>
-          <a:p>
+              <a:t>Package-specific </a:t>
+            </a:r>
+            <a:r>
+              <a:rPr lang="en-US" dirty="0" smtClean="0"/>
+              <a:t>mailing lists</a:t>
+            </a:r>
+          </a:p>
+          <a:p>
+            <a:pPr lvl="1"/>
+            <a:r>
+              <a:rPr lang="en-US" dirty="0"/>
+              <a:t>FSL: </a:t>
+            </a:r>
+            <a:r>
+              <a:rPr lang="en-US" dirty="0">
+                <a:hlinkClick r:id="rId4"/>
+              </a:rPr>
+              <a:t>https://</a:t>
+            </a:r>
+            <a:r>
+              <a:rPr lang="en-US" dirty="0" smtClean="0">
+                <a:hlinkClick r:id="rId4"/>
+              </a:rPr>
+              <a:t>www.jiscmail.ac.uk/lists/fsl.html</a:t>
+            </a:r>
+            <a:endParaRPr lang="en-US" dirty="0" smtClean="0"/>
+          </a:p>
+          <a:p>
+            <a:pPr lvl="1"/>
+            <a:r>
+              <a:rPr lang="en-US" dirty="0"/>
+              <a:t>SPM: </a:t>
+            </a:r>
+            <a:r>
+              <a:rPr lang="en-US" dirty="0">
+                <a:hlinkClick r:id="rId5"/>
+              </a:rPr>
+              <a:t>https://</a:t>
+            </a:r>
+            <a:r>
+              <a:rPr lang="en-US" dirty="0" smtClean="0">
+                <a:hlinkClick r:id="rId5"/>
+              </a:rPr>
+              <a:t>www.jiscmail.ac.uk/lists/spm.html</a:t>
+            </a:r>
+            <a:endParaRPr lang="en-US" dirty="0" smtClean="0"/>
+          </a:p>
+          <a:p>
+            <a:pPr lvl="1"/>
+            <a:r>
+              <a:rPr lang="en-US" dirty="0" err="1" smtClean="0"/>
+              <a:t>AfNI</a:t>
+            </a:r>
+            <a:r>
+              <a:rPr lang="en-US" dirty="0" smtClean="0"/>
+              <a:t>: </a:t>
+            </a:r>
+            <a:r>
+              <a:rPr lang="en-US" dirty="0" smtClean="0">
+                <a:hlinkClick r:id="rId6"/>
+              </a:rPr>
+              <a:t>https</a:t>
+            </a:r>
+            <a:r>
+              <a:rPr lang="en-US" dirty="0">
+                <a:hlinkClick r:id="rId6"/>
+              </a:rPr>
+              <a:t>://</a:t>
+            </a:r>
+            <a:r>
+              <a:rPr lang="en-US" dirty="0" smtClean="0">
+                <a:hlinkClick r:id="rId6"/>
+              </a:rPr>
+              <a:t>afni.nimh.nih.gov/afni/community/board/list.php?1</a:t>
+            </a:r>
+            <a:endParaRPr lang="en-US" dirty="0" smtClean="0"/>
+          </a:p>
+          <a:p>
+            <a:pPr lvl="1"/>
+            <a:r>
+              <a:rPr lang="en-US" dirty="0" err="1" smtClean="0"/>
+              <a:t>FreeSurfer</a:t>
+            </a:r>
+            <a:r>
+              <a:rPr lang="en-US" dirty="0" smtClean="0"/>
+              <a:t>: </a:t>
+            </a:r>
+            <a:r>
+              <a:rPr lang="en-US" dirty="0" smtClean="0">
+                <a:hlinkClick r:id="rId7"/>
+              </a:rPr>
+              <a:t>http</a:t>
+            </a:r>
+            <a:r>
+              <a:rPr lang="en-US" dirty="0">
+                <a:hlinkClick r:id="rId7"/>
+              </a:rPr>
+              <a:t>://www.mail-archive.com/freesurfer@nmr.mgh.harvard.edu</a:t>
+            </a:r>
+            <a:r>
+              <a:rPr lang="en-US" dirty="0" smtClean="0">
+                <a:hlinkClick r:id="rId7"/>
+              </a:rPr>
+              <a:t>/</a:t>
+            </a:r>
             <a:endParaRPr lang="en-US" dirty="0" smtClean="0"/>
           </a:p>
         </p:txBody>
@@ -3295,7 +3523,7 @@
     </p:spTree>
     <p:extLst>
       <p:ext uri="{BB962C8B-B14F-4D97-AF65-F5344CB8AC3E}">
-        <p14:creationId xmlns:p14="http://schemas.microsoft.com/office/powerpoint/2010/main" val="1812345312"/>
+        <p14:creationId xmlns:p14="http://schemas.microsoft.com/office/powerpoint/2010/main" val="1953793115"/>
       </p:ext>
     </p:extLst>
   </p:cSld>
@@ -3339,6 +3567,307 @@
           <a:p>
             <a:r>
               <a:rPr lang="en-US" dirty="0" smtClean="0"/>
+              <a:t>Training materials</a:t>
+            </a:r>
+            <a:endParaRPr lang="en-US" dirty="0"/>
+          </a:p>
+        </p:txBody>
+      </p:sp>
+      <p:sp>
+        <p:nvSpPr>
+          <p:cNvPr id="3" name="Content Placeholder 2"/>
+          <p:cNvSpPr>
+            <a:spLocks noGrp="1"/>
+          </p:cNvSpPr>
+          <p:nvPr>
+            <p:ph idx="1"/>
+          </p:nvPr>
+        </p:nvSpPr>
+        <p:spPr/>
+        <p:txBody>
+          <a:bodyPr/>
+          <a:lstStyle/>
+          <a:p>
+            <a:r>
+              <a:rPr lang="en-US" dirty="0" smtClean="0"/>
+              <a:t>INCF </a:t>
+            </a:r>
+            <a:r>
+              <a:rPr lang="en-US" dirty="0"/>
+              <a:t>Training Space: </a:t>
+            </a:r>
+            <a:r>
+              <a:rPr lang="en-US" dirty="0">
+                <a:hlinkClick r:id="rId2"/>
+              </a:rPr>
+              <a:t>https://</a:t>
+            </a:r>
+            <a:r>
+              <a:rPr lang="en-US" dirty="0" smtClean="0">
+                <a:hlinkClick r:id="rId2"/>
+              </a:rPr>
+              <a:t>training.incf.org</a:t>
+            </a:r>
+            <a:endParaRPr lang="en-US" dirty="0" smtClean="0"/>
+          </a:p>
+          <a:p>
+            <a:r>
+              <a:rPr lang="en-US" dirty="0"/>
+              <a:t>OHBM </a:t>
+            </a:r>
+            <a:r>
+              <a:rPr lang="en-US" dirty="0" smtClean="0"/>
+              <a:t>meeting </a:t>
+            </a:r>
+            <a:r>
+              <a:rPr lang="en-US" dirty="0"/>
+              <a:t>materials: </a:t>
+            </a:r>
+            <a:r>
+              <a:rPr lang="en-US" dirty="0">
+                <a:hlinkClick r:id="rId3"/>
+              </a:rPr>
+              <a:t>https://</a:t>
+            </a:r>
+            <a:r>
+              <a:rPr lang="en-US" dirty="0" smtClean="0">
+                <a:hlinkClick r:id="rId3"/>
+              </a:rPr>
+              <a:t>www.pathlms.com/ohbm/courses</a:t>
+            </a:r>
+            <a:endParaRPr lang="en-US" dirty="0" smtClean="0"/>
+          </a:p>
+          <a:p>
+            <a:r>
+              <a:rPr lang="en-US" dirty="0"/>
+              <a:t>Coursera: </a:t>
+            </a:r>
+            <a:r>
+              <a:rPr lang="en-US" dirty="0">
+                <a:hlinkClick r:id="rId4"/>
+              </a:rPr>
+              <a:t>https://</a:t>
+            </a:r>
+            <a:r>
+              <a:rPr lang="en-US" dirty="0" smtClean="0">
+                <a:hlinkClick r:id="rId4"/>
+              </a:rPr>
+              <a:t>www.coursera.org/learn/functional-mri</a:t>
+            </a:r>
+            <a:endParaRPr lang="en-US" dirty="0" smtClean="0"/>
+          </a:p>
+          <a:p>
+            <a:r>
+              <a:rPr lang="en-US" dirty="0"/>
+              <a:t>Mumford Brain Stats:</a:t>
+            </a:r>
+          </a:p>
+          <a:p>
+            <a:pPr lvl="1"/>
+            <a:r>
+              <a:rPr lang="en-US" dirty="0">
+                <a:hlinkClick r:id="rId5"/>
+              </a:rPr>
+              <a:t>http://mumfordbrainstats.tumblr.com</a:t>
+            </a:r>
+            <a:endParaRPr lang="en-US" dirty="0"/>
+          </a:p>
+          <a:p>
+            <a:pPr lvl="1"/>
+            <a:r>
+              <a:rPr lang="en-US" dirty="0">
+                <a:hlinkClick r:id="rId6"/>
+              </a:rPr>
+              <a:t>https://</a:t>
+            </a:r>
+            <a:r>
+              <a:rPr lang="en-US" dirty="0" smtClean="0">
+                <a:hlinkClick r:id="rId6"/>
+              </a:rPr>
+              <a:t>www.youtube.com/channel/UCZ7gF0zm35FwrFpDND6DWeA</a:t>
+            </a:r>
+            <a:endParaRPr lang="en-US" dirty="0"/>
+          </a:p>
+        </p:txBody>
+      </p:sp>
+    </p:spTree>
+    <p:extLst>
+      <p:ext uri="{BB962C8B-B14F-4D97-AF65-F5344CB8AC3E}">
+        <p14:creationId xmlns:p14="http://schemas.microsoft.com/office/powerpoint/2010/main" val="118985616"/>
+      </p:ext>
+    </p:extLst>
+  </p:cSld>
+  <p:clrMapOvr>
+    <a:masterClrMapping/>
+  </p:clrMapOvr>
+</p:sld>
+</file>
+
+<file path=ppt/slides/slide6.xml><?xml version="1.0" encoding="utf-8"?>
+<p:sld xmlns:a="http://schemas.openxmlformats.org/drawingml/2006/main" xmlns:r="http://schemas.openxmlformats.org/officeDocument/2006/relationships" xmlns:p="http://schemas.openxmlformats.org/presentationml/2006/main">
+  <p:cSld>
+    <p:spTree>
+      <p:nvGrpSpPr>
+        <p:cNvPr id="1" name=""/>
+        <p:cNvGrpSpPr/>
+        <p:nvPr/>
+      </p:nvGrpSpPr>
+      <p:grpSpPr>
+        <a:xfrm>
+          <a:off x="0" y="0"/>
+          <a:ext cx="0" cy="0"/>
+          <a:chOff x="0" y="0"/>
+          <a:chExt cx="0" cy="0"/>
+        </a:xfrm>
+      </p:grpSpPr>
+      <p:sp>
+        <p:nvSpPr>
+          <p:cNvPr id="2" name="Title 1"/>
+          <p:cNvSpPr>
+            <a:spLocks noGrp="1"/>
+          </p:cNvSpPr>
+          <p:nvPr>
+            <p:ph type="title"/>
+          </p:nvPr>
+        </p:nvSpPr>
+        <p:spPr/>
+        <p:txBody>
+          <a:bodyPr/>
+          <a:lstStyle/>
+          <a:p>
+            <a:r>
+              <a:rPr lang="en-US" dirty="0" smtClean="0"/>
+              <a:t>Getting involved in the community</a:t>
+            </a:r>
+            <a:endParaRPr lang="en-US" dirty="0"/>
+          </a:p>
+        </p:txBody>
+      </p:sp>
+      <p:sp>
+        <p:nvSpPr>
+          <p:cNvPr id="3" name="Content Placeholder 2"/>
+          <p:cNvSpPr>
+            <a:spLocks noGrp="1"/>
+          </p:cNvSpPr>
+          <p:nvPr>
+            <p:ph idx="1"/>
+          </p:nvPr>
+        </p:nvSpPr>
+        <p:spPr/>
+        <p:txBody>
+          <a:bodyPr/>
+          <a:lstStyle/>
+          <a:p>
+            <a:r>
+              <a:rPr lang="en-US" dirty="0" smtClean="0"/>
+              <a:t>Talk to your advisor about </a:t>
+            </a:r>
+            <a:r>
+              <a:rPr lang="en-US" dirty="0" smtClean="0"/>
+              <a:t>organizations and </a:t>
+            </a:r>
+            <a:r>
+              <a:rPr lang="en-US" dirty="0" smtClean="0"/>
+              <a:t>labs to </a:t>
+            </a:r>
+            <a:r>
+              <a:rPr lang="en-US" dirty="0" smtClean="0"/>
+              <a:t>follow</a:t>
+            </a:r>
+            <a:endParaRPr lang="en-US" dirty="0" smtClean="0"/>
+          </a:p>
+          <a:p>
+            <a:r>
+              <a:rPr lang="en-US" dirty="0" smtClean="0"/>
+              <a:t>BrainHack Slack/</a:t>
+            </a:r>
+            <a:r>
+              <a:rPr lang="en-US" dirty="0" err="1" smtClean="0"/>
+              <a:t>Mattermost</a:t>
+            </a:r>
+            <a:endParaRPr lang="en-US" dirty="0" smtClean="0"/>
+          </a:p>
+          <a:p>
+            <a:r>
+              <a:rPr lang="en-US" dirty="0" smtClean="0"/>
+              <a:t>Contributing to tools on </a:t>
+            </a:r>
+            <a:r>
+              <a:rPr lang="en-US" dirty="0" smtClean="0"/>
+              <a:t>GitHub</a:t>
+            </a:r>
+          </a:p>
+          <a:p>
+            <a:r>
+              <a:rPr lang="en-US" dirty="0" smtClean="0"/>
+              <a:t>Conferences</a:t>
+            </a:r>
+          </a:p>
+          <a:p>
+            <a:r>
+              <a:rPr lang="en-US" dirty="0" smtClean="0"/>
+              <a:t>Hackathons</a:t>
+            </a:r>
+          </a:p>
+          <a:p>
+            <a:r>
+              <a:rPr lang="en-US" dirty="0" smtClean="0"/>
+              <a:t>Summer schools</a:t>
+            </a:r>
+            <a:endParaRPr lang="en-US" dirty="0" smtClean="0"/>
+          </a:p>
+          <a:p>
+            <a:endParaRPr lang="en-US" dirty="0" smtClean="0"/>
+          </a:p>
+        </p:txBody>
+      </p:sp>
+    </p:spTree>
+    <p:extLst>
+      <p:ext uri="{BB962C8B-B14F-4D97-AF65-F5344CB8AC3E}">
+        <p14:creationId xmlns:p14="http://schemas.microsoft.com/office/powerpoint/2010/main" val="1812345312"/>
+      </p:ext>
+    </p:extLst>
+  </p:cSld>
+  <p:clrMapOvr>
+    <a:masterClrMapping/>
+  </p:clrMapOvr>
+</p:sld>
+</file>
+
+<file path=ppt/slides/slide7.xml><?xml version="1.0" encoding="utf-8"?>
+<p:sld xmlns:a="http://schemas.openxmlformats.org/drawingml/2006/main" xmlns:r="http://schemas.openxmlformats.org/officeDocument/2006/relationships" xmlns:p="http://schemas.openxmlformats.org/presentationml/2006/main">
+  <p:cSld>
+    <p:spTree>
+      <p:nvGrpSpPr>
+        <p:cNvPr id="1" name=""/>
+        <p:cNvGrpSpPr/>
+        <p:nvPr/>
+      </p:nvGrpSpPr>
+      <p:grpSpPr>
+        <a:xfrm>
+          <a:off x="0" y="0"/>
+          <a:ext cx="0" cy="0"/>
+          <a:chOff x="0" y="0"/>
+          <a:chExt cx="0" cy="0"/>
+        </a:xfrm>
+      </p:grpSpPr>
+      <p:sp>
+        <p:nvSpPr>
+          <p:cNvPr id="2" name="Title 1"/>
+          <p:cNvSpPr>
+            <a:spLocks noGrp="1"/>
+          </p:cNvSpPr>
+          <p:nvPr>
+            <p:ph type="title"/>
+          </p:nvPr>
+        </p:nvSpPr>
+        <p:spPr/>
+        <p:txBody>
+          <a:bodyPr/>
+          <a:lstStyle/>
+          <a:p>
+            <a:r>
+              <a:rPr lang="en-US" dirty="0" smtClean="0"/>
               <a:t>Some useful tools</a:t>
             </a:r>
             <a:endParaRPr lang="en-US" dirty="0"/>
@@ -3359,11 +3888,18 @@
         <p:txBody>
           <a:bodyPr/>
           <a:lstStyle/>
+          <a:p>
+            <a:r>
+              <a:rPr lang="en-US" dirty="0"/>
+              <a:t>GitHub</a:t>
+            </a:r>
+          </a:p>
           <a:p>
             <a:r>
               <a:rPr lang="en-US" dirty="0" smtClean="0"/>
               <a:t>NeuroVault</a:t>
             </a:r>
+            <a:endParaRPr lang="en-US" dirty="0" smtClean="0"/>
           </a:p>
           <a:p>
             <a:r>
@@ -3397,13 +3933,6 @@
               <a:t>NeuroDesign</a:t>
             </a:r>
             <a:endParaRPr lang="en-US" dirty="0" smtClean="0"/>
-          </a:p>
-          <a:p>
-            <a:r>
-              <a:rPr lang="en-US" dirty="0" smtClean="0"/>
-              <a:t>GitHub</a:t>
-            </a:r>
-            <a:endParaRPr lang="en-US" dirty="0"/>
           </a:p>
         </p:txBody>
       </p:sp>
